--- a/fair/20230928-FAIR.pptx
+++ b/fair/20230928-FAIR.pptx
@@ -3434,116 +3434,6 @@
           <a:bodyPr/>
           <a:lstStyle/>
           <a:p>
-            <a:pPr marL="0" marR="0" lvl="0" indent="0" algn="l" defTabSz="914400" rtl="0" eaLnBrk="1" fontAlgn="auto" latinLnBrk="0" hangingPunct="1">
-              <a:lnSpc>
-                <a:spcPct val="100000"/>
-              </a:lnSpc>
-              <a:spcBef>
-                <a:spcPts val="0"/>
-              </a:spcBef>
-              <a:spcAft>
-                <a:spcPts val="0"/>
-              </a:spcAft>
-              <a:buClrTx/>
-              <a:buSzTx/>
-              <a:buFontTx/>
-              <a:buNone/>
-              <a:tabLst/>
-              <a:defRPr/>
-            </a:pPr>
-            <a:r>
-              <a:rPr lang="en-US" sz="1200" kern="1200">
-                <a:solidFill>
-                  <a:schemeClr val="tx1"/>
-                </a:solidFill>
-                <a:effectLst/>
-                <a:latin typeface="+mn-lt"/>
-                <a:ea typeface="+mn-ea"/>
-                <a:cs typeface="+mn-cs"/>
-              </a:rPr>
-              <a:t>Trong cả mười trường hợp, thời gian thực hiện các loại truy vấn trên </a:t>
-            </a:r>
-            <a:r>
-              <a:rPr lang="en-US" sz="1200" i="1" kern="1200">
-                <a:solidFill>
-                  <a:schemeClr val="tx1"/>
-                </a:solidFill>
-                <a:effectLst/>
-                <a:latin typeface="+mn-lt"/>
-                <a:ea typeface="+mn-ea"/>
-                <a:cs typeface="+mn-cs"/>
-              </a:rPr>
-              <a:t>cụm DDLF</a:t>
-            </a:r>
-            <a:r>
-              <a:rPr lang="en-US" sz="1200" kern="1200">
-                <a:solidFill>
-                  <a:schemeClr val="tx1"/>
-                </a:solidFill>
-                <a:effectLst/>
-                <a:latin typeface="+mn-lt"/>
-                <a:ea typeface="+mn-ea"/>
-                <a:cs typeface="+mn-cs"/>
-              </a:rPr>
-              <a:t> rất ấn tượng, chưa đến 0.5 giây. </a:t>
-            </a:r>
-          </a:p>
-          <a:p>
-            <a:pPr marL="0" marR="0" lvl="0" indent="0" algn="l" defTabSz="914400" rtl="0" eaLnBrk="1" fontAlgn="auto" latinLnBrk="0" hangingPunct="1">
-              <a:lnSpc>
-                <a:spcPct val="100000"/>
-              </a:lnSpc>
-              <a:spcBef>
-                <a:spcPts val="0"/>
-              </a:spcBef>
-              <a:spcAft>
-                <a:spcPts val="0"/>
-              </a:spcAft>
-              <a:buClrTx/>
-              <a:buSzTx/>
-              <a:buFontTx/>
-              <a:buNone/>
-              <a:tabLst/>
-              <a:defRPr/>
-            </a:pPr>
-            <a:r>
-              <a:rPr lang="en-US" sz="1200" kern="1200">
-                <a:solidFill>
-                  <a:schemeClr val="tx1"/>
-                </a:solidFill>
-                <a:effectLst/>
-                <a:latin typeface="+mn-lt"/>
-                <a:ea typeface="+mn-ea"/>
-                <a:cs typeface="+mn-cs"/>
-              </a:rPr>
-              <a:t>Trong khi đó, thời gian thực hiện các loại truy vấn trên </a:t>
-            </a:r>
-            <a:r>
-              <a:rPr lang="en-US" sz="1200" i="1" kern="1200">
-                <a:solidFill>
-                  <a:schemeClr val="tx1"/>
-                </a:solidFill>
-                <a:effectLst/>
-                <a:latin typeface="+mn-lt"/>
-                <a:ea typeface="+mn-ea"/>
-                <a:cs typeface="+mn-cs"/>
-              </a:rPr>
-              <a:t>cụm Spark</a:t>
-            </a:r>
-            <a:r>
-              <a:rPr lang="en-US" sz="1200" kern="1200">
-                <a:solidFill>
-                  <a:schemeClr val="tx1"/>
-                </a:solidFill>
-                <a:effectLst/>
-                <a:latin typeface="+mn-lt"/>
-                <a:ea typeface="+mn-ea"/>
-                <a:cs typeface="+mn-cs"/>
-              </a:rPr>
-              <a:t> chậm đến mức không chấp nhận được.</a:t>
-            </a:r>
-          </a:p>
-          <a:p>
             <a:endParaRPr lang="en-US"/>
           </a:p>
         </p:txBody>
@@ -3565,7 +3455,7 @@
           <a:p>
             <a:fld id="{1EFFC458-15A8-473E-97CA-B466A563B85A}" type="slidenum">
               <a:rPr lang="en-US" smtClean="0"/>
-              <a:t>27</a:t>
+              <a:t>24</a:t>
             </a:fld>
             <a:endParaRPr lang="en-US"/>
           </a:p>
@@ -3574,7 +3464,7 @@
     </p:spTree>
     <p:extLst>
       <p:ext uri="{BB962C8B-B14F-4D97-AF65-F5344CB8AC3E}">
-        <p14:creationId xmlns:p14="http://schemas.microsoft.com/office/powerpoint/2010/main" val="3031585056"/>
+        <p14:creationId xmlns:p14="http://schemas.microsoft.com/office/powerpoint/2010/main" val="3388505251"/>
       </p:ext>
     </p:extLst>
   </p:cSld>
@@ -3628,6 +3518,116 @@
           <a:bodyPr/>
           <a:lstStyle/>
           <a:p>
+            <a:pPr marL="0" marR="0" lvl="0" indent="0" algn="l" defTabSz="914400" rtl="0" eaLnBrk="1" fontAlgn="auto" latinLnBrk="0" hangingPunct="1">
+              <a:lnSpc>
+                <a:spcPct val="100000"/>
+              </a:lnSpc>
+              <a:spcBef>
+                <a:spcPts val="0"/>
+              </a:spcBef>
+              <a:spcAft>
+                <a:spcPts val="0"/>
+              </a:spcAft>
+              <a:buClrTx/>
+              <a:buSzTx/>
+              <a:buFontTx/>
+              <a:buNone/>
+              <a:tabLst/>
+              <a:defRPr/>
+            </a:pPr>
+            <a:r>
+              <a:rPr lang="en-US" sz="1200" kern="1200">
+                <a:solidFill>
+                  <a:schemeClr val="tx1"/>
+                </a:solidFill>
+                <a:effectLst/>
+                <a:latin typeface="+mn-lt"/>
+                <a:ea typeface="+mn-ea"/>
+                <a:cs typeface="+mn-cs"/>
+              </a:rPr>
+              <a:t>Trong cả mười trường hợp, thời gian thực hiện các loại truy vấn trên </a:t>
+            </a:r>
+            <a:r>
+              <a:rPr lang="en-US" sz="1200" i="1" kern="1200">
+                <a:solidFill>
+                  <a:schemeClr val="tx1"/>
+                </a:solidFill>
+                <a:effectLst/>
+                <a:latin typeface="+mn-lt"/>
+                <a:ea typeface="+mn-ea"/>
+                <a:cs typeface="+mn-cs"/>
+              </a:rPr>
+              <a:t>cụm DDLF</a:t>
+            </a:r>
+            <a:r>
+              <a:rPr lang="en-US" sz="1200" kern="1200">
+                <a:solidFill>
+                  <a:schemeClr val="tx1"/>
+                </a:solidFill>
+                <a:effectLst/>
+                <a:latin typeface="+mn-lt"/>
+                <a:ea typeface="+mn-ea"/>
+                <a:cs typeface="+mn-cs"/>
+              </a:rPr>
+              <a:t> rất ấn tượng, chưa đến 0.5 giây. </a:t>
+            </a:r>
+          </a:p>
+          <a:p>
+            <a:pPr marL="0" marR="0" lvl="0" indent="0" algn="l" defTabSz="914400" rtl="0" eaLnBrk="1" fontAlgn="auto" latinLnBrk="0" hangingPunct="1">
+              <a:lnSpc>
+                <a:spcPct val="100000"/>
+              </a:lnSpc>
+              <a:spcBef>
+                <a:spcPts val="0"/>
+              </a:spcBef>
+              <a:spcAft>
+                <a:spcPts val="0"/>
+              </a:spcAft>
+              <a:buClrTx/>
+              <a:buSzTx/>
+              <a:buFontTx/>
+              <a:buNone/>
+              <a:tabLst/>
+              <a:defRPr/>
+            </a:pPr>
+            <a:r>
+              <a:rPr lang="en-US" sz="1200" kern="1200">
+                <a:solidFill>
+                  <a:schemeClr val="tx1"/>
+                </a:solidFill>
+                <a:effectLst/>
+                <a:latin typeface="+mn-lt"/>
+                <a:ea typeface="+mn-ea"/>
+                <a:cs typeface="+mn-cs"/>
+              </a:rPr>
+              <a:t>Trong khi đó, thời gian thực hiện các loại truy vấn trên </a:t>
+            </a:r>
+            <a:r>
+              <a:rPr lang="en-US" sz="1200" i="1" kern="1200">
+                <a:solidFill>
+                  <a:schemeClr val="tx1"/>
+                </a:solidFill>
+                <a:effectLst/>
+                <a:latin typeface="+mn-lt"/>
+                <a:ea typeface="+mn-ea"/>
+                <a:cs typeface="+mn-cs"/>
+              </a:rPr>
+              <a:t>cụm Spark</a:t>
+            </a:r>
+            <a:r>
+              <a:rPr lang="en-US" sz="1200" kern="1200">
+                <a:solidFill>
+                  <a:schemeClr val="tx1"/>
+                </a:solidFill>
+                <a:effectLst/>
+                <a:latin typeface="+mn-lt"/>
+                <a:ea typeface="+mn-ea"/>
+                <a:cs typeface="+mn-cs"/>
+              </a:rPr>
+              <a:t> chậm đến mức không chấp nhận được.</a:t>
+            </a:r>
+          </a:p>
+          <a:p>
             <a:endParaRPr lang="en-US"/>
           </a:p>
         </p:txBody>
@@ -3649,7 +3649,7 @@
           <a:p>
             <a:fld id="{1EFFC458-15A8-473E-97CA-B466A563B85A}" type="slidenum">
               <a:rPr lang="en-US" smtClean="0"/>
-              <a:t>28</a:t>
+              <a:t>27</a:t>
             </a:fld>
             <a:endParaRPr lang="en-US"/>
           </a:p>
@@ -3658,7 +3658,7 @@
     </p:spTree>
     <p:extLst>
       <p:ext uri="{BB962C8B-B14F-4D97-AF65-F5344CB8AC3E}">
-        <p14:creationId xmlns:p14="http://schemas.microsoft.com/office/powerpoint/2010/main" val="1349722586"/>
+        <p14:creationId xmlns:p14="http://schemas.microsoft.com/office/powerpoint/2010/main" val="3031585056"/>
       </p:ext>
     </p:extLst>
   </p:cSld>
@@ -3733,6 +3733,90 @@
           <a:p>
             <a:fld id="{1EFFC458-15A8-473E-97CA-B466A563B85A}" type="slidenum">
               <a:rPr lang="en-US" smtClean="0"/>
+              <a:t>28</a:t>
+            </a:fld>
+            <a:endParaRPr lang="en-US"/>
+          </a:p>
+        </p:txBody>
+      </p:sp>
+    </p:spTree>
+    <p:extLst>
+      <p:ext uri="{BB962C8B-B14F-4D97-AF65-F5344CB8AC3E}">
+        <p14:creationId xmlns:p14="http://schemas.microsoft.com/office/powerpoint/2010/main" val="1349722586"/>
+      </p:ext>
+    </p:extLst>
+  </p:cSld>
+  <p:clrMapOvr>
+    <a:masterClrMapping/>
+  </p:clrMapOvr>
+</p:notes>
+</file>
+
+<file path=ppt/notesSlides/notesSlide13.xml><?xml version="1.0" encoding="utf-8"?>
+<p:notes xmlns:a="http://schemas.openxmlformats.org/drawingml/2006/main" xmlns:r="http://schemas.openxmlformats.org/officeDocument/2006/relationships" xmlns:p="http://schemas.openxmlformats.org/presentationml/2006/main">
+  <p:cSld>
+    <p:spTree>
+      <p:nvGrpSpPr>
+        <p:cNvPr id="1" name=""/>
+        <p:cNvGrpSpPr/>
+        <p:nvPr/>
+      </p:nvGrpSpPr>
+      <p:grpSpPr>
+        <a:xfrm>
+          <a:off x="0" y="0"/>
+          <a:ext cx="0" cy="0"/>
+          <a:chOff x="0" y="0"/>
+          <a:chExt cx="0" cy="0"/>
+        </a:xfrm>
+      </p:grpSpPr>
+      <p:sp>
+        <p:nvSpPr>
+          <p:cNvPr id="2" name="Slide Image Placeholder 1"/>
+          <p:cNvSpPr>
+            <a:spLocks noGrp="1" noRot="1" noChangeAspect="1"/>
+          </p:cNvSpPr>
+          <p:nvPr>
+            <p:ph type="sldImg"/>
+          </p:nvPr>
+        </p:nvSpPr>
+        <p:spPr/>
+      </p:sp>
+      <p:sp>
+        <p:nvSpPr>
+          <p:cNvPr id="3" name="Notes Placeholder 2"/>
+          <p:cNvSpPr>
+            <a:spLocks noGrp="1"/>
+          </p:cNvSpPr>
+          <p:nvPr>
+            <p:ph type="body" idx="1"/>
+          </p:nvPr>
+        </p:nvSpPr>
+        <p:spPr/>
+        <p:txBody>
+          <a:bodyPr/>
+          <a:lstStyle/>
+          <a:p>
+            <a:endParaRPr lang="en-US"/>
+          </a:p>
+        </p:txBody>
+      </p:sp>
+      <p:sp>
+        <p:nvSpPr>
+          <p:cNvPr id="4" name="Slide Number Placeholder 3"/>
+          <p:cNvSpPr>
+            <a:spLocks noGrp="1"/>
+          </p:cNvSpPr>
+          <p:nvPr>
+            <p:ph type="sldNum" sz="quarter" idx="5"/>
+          </p:nvPr>
+        </p:nvSpPr>
+        <p:spPr/>
+        <p:txBody>
+          <a:bodyPr/>
+          <a:lstStyle/>
+          <a:p>
+            <a:fld id="{1EFFC458-15A8-473E-97CA-B466A563B85A}" type="slidenum">
+              <a:rPr lang="en-US" smtClean="0"/>
               <a:t>30</a:t>
             </a:fld>
             <a:endParaRPr lang="en-US"/>
@@ -3752,7 +3836,7 @@
 </p:notes>
 </file>
 
-<file path=ppt/notesSlides/notesSlide13.xml><?xml version="1.0" encoding="utf-8"?>
+<file path=ppt/notesSlides/notesSlide14.xml><?xml version="1.0" encoding="utf-8"?>
 <p:notes xmlns:a="http://schemas.openxmlformats.org/drawingml/2006/main" xmlns:r="http://schemas.openxmlformats.org/officeDocument/2006/relationships" xmlns:p="http://schemas.openxmlformats.org/presentationml/2006/main">
   <p:cSld>
     <p:spTree>
@@ -5768,7 +5852,229 @@
           <a:bodyPr/>
           <a:lstStyle/>
           <a:p>
+            <a:r>
+              <a:rPr lang="en-US"/>
+              <a:t>The choice of similarity metrics depends on the specific context and the characteristics of your data. Here are some common scenarios and the similarity metrics often used in those situations:</a:t>
+            </a:r>
+          </a:p>
+          <a:p>
             <a:endParaRPr lang="en-US"/>
+          </a:p>
+          <a:p>
+            <a:r>
+              <a:rPr lang="en-US"/>
+              <a:t>1. **Text Data**:</a:t>
+            </a:r>
+          </a:p>
+          <a:p>
+            <a:r>
+              <a:rPr lang="en-US"/>
+              <a:t>   - **Cosine Similarity**: Widely used for document retrieval, text classification, and clustering tasks.</a:t>
+            </a:r>
+          </a:p>
+          <a:p>
+            <a:r>
+              <a:rPr lang="en-US"/>
+              <a:t>   - **Jaccard Similarity**: Useful for comparing sets of words or terms, such as in text mining or recommendation systems.</a:t>
+            </a:r>
+          </a:p>
+          <a:p>
+            <a:r>
+              <a:rPr lang="en-US"/>
+              <a:t>   - **Levenshtein Distance**: Applied in spell checking, string matching, and approximate string matching.</a:t>
+            </a:r>
+          </a:p>
+          <a:p>
+            <a:endParaRPr lang="en-US"/>
+          </a:p>
+          <a:p>
+            <a:r>
+              <a:rPr lang="en-US"/>
+              <a:t>2. **Numerical Data**:</a:t>
+            </a:r>
+          </a:p>
+          <a:p>
+            <a:r>
+              <a:rPr lang="en-US"/>
+              <a:t>   - **Euclidean Distance**: Commonly used in clustering algorithms like k-means, hierarchical clustering, and in anomaly detection.</a:t>
+            </a:r>
+          </a:p>
+          <a:p>
+            <a:r>
+              <a:rPr lang="en-US"/>
+              <a:t>   - **Mahalanobis Distance**: Suitable when data has multiple correlated features and you want to account for these correlations.</a:t>
+            </a:r>
+          </a:p>
+          <a:p>
+            <a:endParaRPr lang="en-US"/>
+          </a:p>
+          <a:p>
+            <a:r>
+              <a:rPr lang="en-US"/>
+              <a:t>3. **Categorical Data**:</a:t>
+            </a:r>
+          </a:p>
+          <a:p>
+            <a:r>
+              <a:rPr lang="en-US"/>
+              <a:t>   - **Jaccard Similarity**: Appropriate when working with categorical data, like user preferences or product categories.</a:t>
+            </a:r>
+          </a:p>
+          <a:p>
+            <a:r>
+              <a:rPr lang="en-US"/>
+              <a:t>   - **Hamming Distance**: Useful for comparing binary or categorical data, e.g., DNA sequences or categorical feature vectors.</a:t>
+            </a:r>
+          </a:p>
+          <a:p>
+            <a:endParaRPr lang="en-US"/>
+          </a:p>
+          <a:p>
+            <a:r>
+              <a:rPr lang="en-US"/>
+              <a:t>4. **Time Series Data**:</a:t>
+            </a:r>
+          </a:p>
+          <a:p>
+            <a:r>
+              <a:rPr lang="en-US"/>
+              <a:t>   - **Dynamic Time Warping (DTW)**: Effective for measuring similarity between time series data with varying speeds or temporal alignments.</a:t>
+            </a:r>
+          </a:p>
+          <a:p>
+            <a:r>
+              <a:rPr lang="en-US"/>
+              <a:t>   - **Euclidean Distance with Lag**: Can be used to measure similarity when time lags are important.</a:t>
+            </a:r>
+          </a:p>
+          <a:p>
+            <a:endParaRPr lang="en-US"/>
+          </a:p>
+          <a:p>
+            <a:r>
+              <a:rPr lang="en-US"/>
+              <a:t>5. **Image Data**:</a:t>
+            </a:r>
+          </a:p>
+          <a:p>
+            <a:r>
+              <a:rPr lang="en-US"/>
+              <a:t>   - **Structural Similarity Index (SSIM)**: Measures structural similarity between two images, often used in image quality assessment.</a:t>
+            </a:r>
+          </a:p>
+          <a:p>
+            <a:r>
+              <a:rPr lang="en-US"/>
+              <a:t>   - **Histogram-Based Metrics**: Histogram intersection or chi-squared distance can be used for image retrieval and classification tasks.</a:t>
+            </a:r>
+          </a:p>
+          <a:p>
+            <a:endParaRPr lang="en-US"/>
+          </a:p>
+          <a:p>
+            <a:r>
+              <a:rPr lang="en-US"/>
+              <a:t>6. **Probability Distributions**:</a:t>
+            </a:r>
+          </a:p>
+          <a:p>
+            <a:r>
+              <a:rPr lang="en-US"/>
+              <a:t>   - **Kullback-Leibler Divergence (KL Divergence)**: Measures the difference between probability distributions, used in information retrieval, and topic modeling.</a:t>
+            </a:r>
+          </a:p>
+          <a:p>
+            <a:r>
+              <a:rPr lang="en-US"/>
+              <a:t>   - **Earth Mover's Distance (Wasserstein Distance)**: Measures the minimum amount of work required to transform one distribution into another.</a:t>
+            </a:r>
+          </a:p>
+          <a:p>
+            <a:endParaRPr lang="en-US"/>
+          </a:p>
+          <a:p>
+            <a:r>
+              <a:rPr lang="en-US"/>
+              <a:t>7. **Correlation Analysis**:</a:t>
+            </a:r>
+          </a:p>
+          <a:p>
+            <a:r>
+              <a:rPr lang="en-US"/>
+              <a:t>   - **Pearson Correlation Coefficient**: Measures linear correlation between continuous variables.</a:t>
+            </a:r>
+          </a:p>
+          <a:p>
+            <a:r>
+              <a:rPr lang="en-US"/>
+              <a:t>   - **Spearman Rank Correlation**: Measures monotonic (non-linear) correlation, often used when the relationship is not strictly linear.</a:t>
+            </a:r>
+          </a:p>
+          <a:p>
+            <a:endParaRPr lang="en-US"/>
+          </a:p>
+          <a:p>
+            <a:r>
+              <a:rPr lang="en-US"/>
+              <a:t>8. **Set Data**:</a:t>
+            </a:r>
+          </a:p>
+          <a:p>
+            <a:r>
+              <a:rPr lang="en-US"/>
+              <a:t>   - **Jaccard Similarity**: Commonly used for comparing sets, such as user-item interactions, document features, or tags.</a:t>
+            </a:r>
+          </a:p>
+          <a:p>
+            <a:r>
+              <a:rPr lang="en-US"/>
+              <a:t>   - **Tanimoto Coefficient**: Another option for set similarity, often used in chemistry and biology for molecular comparisons.</a:t>
+            </a:r>
+          </a:p>
+          <a:p>
+            <a:endParaRPr lang="en-US"/>
+          </a:p>
+          <a:p>
+            <a:r>
+              <a:rPr lang="en-US"/>
+              <a:t>9. **Graph Data**:</a:t>
+            </a:r>
+          </a:p>
+          <a:p>
+            <a:r>
+              <a:rPr lang="en-US"/>
+              <a:t>   - **Graph Edit Distance**: Measures the similarity between two graphs by quantifying the minimum number of edit operations (e.g., node/edge insertion/deletion) required to transform one graph into another.</a:t>
+            </a:r>
+          </a:p>
+          <a:p>
+            <a:r>
+              <a:rPr lang="en-US"/>
+              <a:t>   - **Graph Kernel Methods**: Utilize graph-specific similarity measures for tasks like graph classification and clustering.</a:t>
+            </a:r>
+          </a:p>
+          <a:p>
+            <a:endParaRPr lang="en-US"/>
+          </a:p>
+          <a:p>
+            <a:r>
+              <a:rPr lang="en-US"/>
+              <a:t>10. **Hybrid Data**:</a:t>
+            </a:r>
+          </a:p>
+          <a:p>
+            <a:r>
+              <a:rPr lang="en-US"/>
+              <a:t>    - Depending on the nature of your data, you may need to combine multiple similarity metrics or use hybrid approaches to measure similarity effectively.</a:t>
+            </a:r>
+          </a:p>
+          <a:p>
+            <a:endParaRPr lang="en-US"/>
+          </a:p>
+          <a:p>
+            <a:r>
+              <a:rPr lang="en-US"/>
+              <a:t>The choice of metric should align with the specific problem you are trying to solve and the nature of your data. It's often beneficial to experiment with different metrics to determine which one best captures the underlying patterns or relationships in your data for your particular application. Additionally, consider the computational complexity of the metric, as some measures may be more efficient than others for large datasets.</a:t>
+            </a:r>
           </a:p>
         </p:txBody>
       </p:sp>
@@ -5789,7 +6095,7 @@
           <a:p>
             <a:fld id="{1EFFC458-15A8-473E-97CA-B466A563B85A}" type="slidenum">
               <a:rPr lang="en-US" smtClean="0"/>
-              <a:t>24</a:t>
+              <a:t>17</a:t>
             </a:fld>
             <a:endParaRPr lang="en-US"/>
           </a:p>
@@ -5798,7 +6104,7 @@
     </p:spTree>
     <p:extLst>
       <p:ext uri="{BB962C8B-B14F-4D97-AF65-F5344CB8AC3E}">
-        <p14:creationId xmlns:p14="http://schemas.microsoft.com/office/powerpoint/2010/main" val="3388505251"/>
+        <p14:creationId xmlns:p14="http://schemas.microsoft.com/office/powerpoint/2010/main" val="3404998743"/>
       </p:ext>
     </p:extLst>
   </p:cSld>
@@ -10437,11 +10743,11 @@
   <p:clrMapOvr>
     <a:masterClrMapping/>
   </p:clrMapOvr>
-  <mc:AlternateContent xmlns:mc="http://schemas.openxmlformats.org/markup-compatibility/2006">
-    <mc:Choice xmlns:p14="http://schemas.microsoft.com/office/powerpoint/2010/main" Requires="p14">
+  <mc:AlternateContent xmlns:mc="http://schemas.openxmlformats.org/markup-compatibility/2006" xmlns:p14="http://schemas.microsoft.com/office/powerpoint/2010/main">
+    <mc:Choice Requires="p14">
       <p:transition p14:dur="0"/>
     </mc:Choice>
-    <mc:Fallback>
+    <mc:Fallback xmlns="">
       <p:transition/>
     </mc:Fallback>
   </mc:AlternateContent>
@@ -10639,13 +10945,13 @@
   <p:clrMapOvr>
     <a:masterClrMapping/>
   </p:clrMapOvr>
-  <mc:AlternateContent xmlns:mc="http://schemas.openxmlformats.org/markup-compatibility/2006">
-    <mc:Choice xmlns:p15="http://schemas.microsoft.com/office/powerpoint/2012/main" Requires="p15">
+  <mc:AlternateContent xmlns:mc="http://schemas.openxmlformats.org/markup-compatibility/2006" xmlns:p15="http://schemas.microsoft.com/office/powerpoint/2012/main">
+    <mc:Choice Requires="p15">
       <p:transition xmlns:p14="http://schemas.microsoft.com/office/powerpoint/2010/main" spd="slow" p14:dur="1250">
         <p15:prstTrans prst="peelOff"/>
       </p:transition>
     </mc:Choice>
-    <mc:Fallback>
+    <mc:Fallback xmlns="">
       <p:transition spd="slow">
         <p:fade/>
       </p:transition>
@@ -10875,13 +11181,13 @@
   <p:clrMapOvr>
     <a:masterClrMapping/>
   </p:clrMapOvr>
-  <mc:AlternateContent xmlns:mc="http://schemas.openxmlformats.org/markup-compatibility/2006">
-    <mc:Choice xmlns:p15="http://schemas.microsoft.com/office/powerpoint/2012/main" Requires="p15">
+  <mc:AlternateContent xmlns:mc="http://schemas.openxmlformats.org/markup-compatibility/2006" xmlns:p15="http://schemas.microsoft.com/office/powerpoint/2012/main">
+    <mc:Choice Requires="p15">
       <p:transition xmlns:p14="http://schemas.microsoft.com/office/powerpoint/2010/main" spd="slow" p14:dur="1250">
         <p15:prstTrans prst="peelOff"/>
       </p:transition>
     </mc:Choice>
-    <mc:Fallback>
+    <mc:Fallback xmlns="">
       <p:transition spd="slow">
         <p:fade/>
       </p:transition>
@@ -11031,13 +11337,13 @@
   <p:clrMapOvr>
     <a:masterClrMapping/>
   </p:clrMapOvr>
-  <mc:AlternateContent xmlns:mc="http://schemas.openxmlformats.org/markup-compatibility/2006">
-    <mc:Choice xmlns:p15="http://schemas.microsoft.com/office/powerpoint/2012/main" Requires="p15">
+  <mc:AlternateContent xmlns:mc="http://schemas.openxmlformats.org/markup-compatibility/2006" xmlns:p15="http://schemas.microsoft.com/office/powerpoint/2012/main">
+    <mc:Choice Requires="p15">
       <p:transition xmlns:p14="http://schemas.microsoft.com/office/powerpoint/2010/main" spd="slow" p14:dur="1250">
         <p15:prstTrans prst="peelOff"/>
       </p:transition>
     </mc:Choice>
-    <mc:Fallback>
+    <mc:Fallback xmlns="">
       <p:transition spd="slow">
         <p:fade/>
       </p:transition>
@@ -11599,13 +11905,13 @@
   <p:clrMapOvr>
     <a:masterClrMapping/>
   </p:clrMapOvr>
-  <mc:AlternateContent xmlns:mc="http://schemas.openxmlformats.org/markup-compatibility/2006">
-    <mc:Choice xmlns:p15="http://schemas.microsoft.com/office/powerpoint/2012/main" Requires="p15">
+  <mc:AlternateContent xmlns:mc="http://schemas.openxmlformats.org/markup-compatibility/2006" xmlns:p15="http://schemas.microsoft.com/office/powerpoint/2012/main">
+    <mc:Choice Requires="p15">
       <p:transition xmlns:p14="http://schemas.microsoft.com/office/powerpoint/2010/main" spd="slow" p14:dur="1250">
         <p15:prstTrans prst="peelOff"/>
       </p:transition>
     </mc:Choice>
-    <mc:Fallback>
+    <mc:Fallback xmlns="">
       <p:transition spd="slow">
         <p:fade/>
       </p:transition>
@@ -11832,13 +12138,13 @@
   <p:clrMapOvr>
     <a:masterClrMapping/>
   </p:clrMapOvr>
-  <mc:AlternateContent xmlns:mc="http://schemas.openxmlformats.org/markup-compatibility/2006">
-    <mc:Choice xmlns:p15="http://schemas.microsoft.com/office/powerpoint/2012/main" Requires="p15">
+  <mc:AlternateContent xmlns:mc="http://schemas.openxmlformats.org/markup-compatibility/2006" xmlns:p15="http://schemas.microsoft.com/office/powerpoint/2012/main">
+    <mc:Choice Requires="p15">
       <p:transition xmlns:p14="http://schemas.microsoft.com/office/powerpoint/2010/main" spd="slow" p14:dur="1250">
         <p15:prstTrans prst="peelOff"/>
       </p:transition>
     </mc:Choice>
-    <mc:Fallback>
+    <mc:Fallback xmlns="">
       <p:transition spd="slow">
         <p:fade/>
       </p:transition>
@@ -12086,13 +12392,13 @@
   <p:clrMapOvr>
     <a:masterClrMapping/>
   </p:clrMapOvr>
-  <mc:AlternateContent xmlns:mc="http://schemas.openxmlformats.org/markup-compatibility/2006">
-    <mc:Choice xmlns:p15="http://schemas.microsoft.com/office/powerpoint/2012/main" Requires="p15">
+  <mc:AlternateContent xmlns:mc="http://schemas.openxmlformats.org/markup-compatibility/2006" xmlns:p15="http://schemas.microsoft.com/office/powerpoint/2012/main">
+    <mc:Choice Requires="p15">
       <p:transition xmlns:p14="http://schemas.microsoft.com/office/powerpoint/2010/main" spd="slow" p14:dur="1250">
         <p15:prstTrans prst="peelOff"/>
       </p:transition>
     </mc:Choice>
-    <mc:Fallback>
+    <mc:Fallback xmlns="">
       <p:transition spd="slow">
         <p:fade/>
       </p:transition>
@@ -13364,13 +13670,13 @@
   <p:clrMapOvr>
     <a:masterClrMapping/>
   </p:clrMapOvr>
-  <mc:AlternateContent xmlns:mc="http://schemas.openxmlformats.org/markup-compatibility/2006">
-    <mc:Choice xmlns:p15="http://schemas.microsoft.com/office/powerpoint/2012/main" Requires="p15">
+  <mc:AlternateContent xmlns:mc="http://schemas.openxmlformats.org/markup-compatibility/2006" xmlns:p15="http://schemas.microsoft.com/office/powerpoint/2012/main">
+    <mc:Choice Requires="p15">
       <p:transition xmlns:p14="http://schemas.microsoft.com/office/powerpoint/2010/main" spd="slow" p14:dur="1250">
         <p15:prstTrans prst="peelOff"/>
       </p:transition>
     </mc:Choice>
-    <mc:Fallback>
+    <mc:Fallback xmlns="">
       <p:transition spd="slow">
         <p:fade/>
       </p:transition>
@@ -13532,7 +13838,7 @@
           <p:nvPr/>
         </p:nvPicPr>
         <p:blipFill>
-          <a:blip r:embed="rId2">
+          <a:blip r:embed="rId3">
             <a:extLst>
               <a:ext uri="{28A0092B-C50C-407E-A947-70E740481C1C}">
                 <a14:useLocalDpi xmlns:a14="http://schemas.microsoft.com/office/drawing/2010/main" val="0"/>
@@ -13861,8 +14167,8 @@
           </a:p>
         </p:txBody>
       </p:sp>
-      <mc:AlternateContent xmlns:mc="http://schemas.openxmlformats.org/markup-compatibility/2006">
-        <mc:Choice xmlns:a14="http://schemas.microsoft.com/office/drawing/2010/main" Requires="a14">
+      <mc:AlternateContent xmlns:mc="http://schemas.openxmlformats.org/markup-compatibility/2006" xmlns:a14="http://schemas.microsoft.com/office/drawing/2010/main">
+        <mc:Choice Requires="a14">
           <p:sp>
             <p:nvSpPr>
               <p:cNvPr id="15" name="Rectangle 14">
@@ -13890,6 +14196,7 @@
               </a:bodyPr>
               <a:lstStyle/>
               <a:p>
+                <a:pPr/>
                 <a14:m>
                   <m:oMathPara xmlns:m="http://schemas.openxmlformats.org/officeDocument/2006/math">
                     <m:oMathParaPr>
@@ -14223,7 +14530,7 @@
             </p:txBody>
           </p:sp>
         </mc:Choice>
-        <mc:Fallback>
+        <mc:Fallback xmlns="">
           <p:sp>
             <p:nvSpPr>
               <p:cNvPr id="15" name="Rectangle 14">
@@ -14247,7 +14554,7 @@
                 <a:avLst/>
               </a:prstGeom>
               <a:blipFill>
-                <a:blip r:embed="rId3"/>
+                <a:blip r:embed="rId4"/>
                 <a:stretch>
                   <a:fillRect/>
                 </a:stretch>
@@ -14278,13 +14585,13 @@
   <p:clrMapOvr>
     <a:masterClrMapping/>
   </p:clrMapOvr>
-  <mc:AlternateContent xmlns:mc="http://schemas.openxmlformats.org/markup-compatibility/2006">
-    <mc:Choice xmlns:p15="http://schemas.microsoft.com/office/powerpoint/2012/main" Requires="p15">
+  <mc:AlternateContent xmlns:mc="http://schemas.openxmlformats.org/markup-compatibility/2006" xmlns:p15="http://schemas.microsoft.com/office/powerpoint/2012/main">
+    <mc:Choice Requires="p15">
       <p:transition xmlns:p14="http://schemas.microsoft.com/office/powerpoint/2010/main" spd="slow" p14:dur="1250">
         <p15:prstTrans prst="peelOff"/>
       </p:transition>
     </mc:Choice>
-    <mc:Fallback>
+    <mc:Fallback xmlns="">
       <p:transition spd="slow">
         <p:fade/>
       </p:transition>
@@ -14746,13 +15053,13 @@
   <p:clrMapOvr>
     <a:masterClrMapping/>
   </p:clrMapOvr>
-  <mc:AlternateContent xmlns:mc="http://schemas.openxmlformats.org/markup-compatibility/2006">
-    <mc:Choice xmlns:p15="http://schemas.microsoft.com/office/powerpoint/2012/main" Requires="p15">
+  <mc:AlternateContent xmlns:mc="http://schemas.openxmlformats.org/markup-compatibility/2006" xmlns:p15="http://schemas.microsoft.com/office/powerpoint/2012/main">
+    <mc:Choice Requires="p15">
       <p:transition xmlns:p14="http://schemas.microsoft.com/office/powerpoint/2010/main" spd="slow" p14:dur="1250">
         <p15:prstTrans prst="peelOff"/>
       </p:transition>
     </mc:Choice>
-    <mc:Fallback>
+    <mc:Fallback xmlns="">
       <p:transition spd="slow">
         <p:fade/>
       </p:transition>
@@ -14910,13 +15217,13 @@
   <p:clrMapOvr>
     <a:masterClrMapping/>
   </p:clrMapOvr>
-  <mc:AlternateContent xmlns:mc="http://schemas.openxmlformats.org/markup-compatibility/2006">
-    <mc:Choice xmlns:p15="http://schemas.microsoft.com/office/powerpoint/2012/main" Requires="p15">
+  <mc:AlternateContent xmlns:mc="http://schemas.openxmlformats.org/markup-compatibility/2006" xmlns:p15="http://schemas.microsoft.com/office/powerpoint/2012/main">
+    <mc:Choice Requires="p15">
       <p:transition xmlns:p14="http://schemas.microsoft.com/office/powerpoint/2010/main" spd="slow" p14:dur="1250">
         <p15:prstTrans prst="peelOff"/>
       </p:transition>
     </mc:Choice>
-    <mc:Fallback>
+    <mc:Fallback xmlns="">
       <p:transition spd="slow">
         <p:fade/>
       </p:transition>
@@ -15332,13 +15639,13 @@
   <p:clrMapOvr>
     <a:masterClrMapping/>
   </p:clrMapOvr>
-  <mc:AlternateContent xmlns:mc="http://schemas.openxmlformats.org/markup-compatibility/2006">
-    <mc:Choice xmlns:p15="http://schemas.microsoft.com/office/powerpoint/2012/main" Requires="p15">
+  <mc:AlternateContent xmlns:mc="http://schemas.openxmlformats.org/markup-compatibility/2006" xmlns:p15="http://schemas.microsoft.com/office/powerpoint/2012/main">
+    <mc:Choice Requires="p15">
       <p:transition xmlns:p14="http://schemas.microsoft.com/office/powerpoint/2010/main" spd="slow" p14:dur="1250">
         <p15:prstTrans prst="peelOff"/>
       </p:transition>
     </mc:Choice>
-    <mc:Fallback>
+    <mc:Fallback xmlns="">
       <p:transition spd="slow">
         <p:fade/>
       </p:transition>
@@ -15632,13 +15939,13 @@
   <p:clrMapOvr>
     <a:masterClrMapping/>
   </p:clrMapOvr>
-  <mc:AlternateContent xmlns:mc="http://schemas.openxmlformats.org/markup-compatibility/2006">
-    <mc:Choice xmlns:p15="http://schemas.microsoft.com/office/powerpoint/2012/main" Requires="p15">
+  <mc:AlternateContent xmlns:mc="http://schemas.openxmlformats.org/markup-compatibility/2006" xmlns:p15="http://schemas.microsoft.com/office/powerpoint/2012/main">
+    <mc:Choice Requires="p15">
       <p:transition xmlns:p14="http://schemas.microsoft.com/office/powerpoint/2010/main" spd="slow" p14:dur="1250">
         <p15:prstTrans prst="peelOff"/>
       </p:transition>
     </mc:Choice>
-    <mc:Fallback>
+    <mc:Fallback xmlns="">
       <p:transition spd="slow">
         <p:fade/>
       </p:transition>
@@ -15917,13 +16224,13 @@
   <p:clrMapOvr>
     <a:masterClrMapping/>
   </p:clrMapOvr>
-  <mc:AlternateContent xmlns:mc="http://schemas.openxmlformats.org/markup-compatibility/2006">
-    <mc:Choice xmlns:p15="http://schemas.microsoft.com/office/powerpoint/2012/main" Requires="p15">
+  <mc:AlternateContent xmlns:mc="http://schemas.openxmlformats.org/markup-compatibility/2006" xmlns:p15="http://schemas.microsoft.com/office/powerpoint/2012/main">
+    <mc:Choice Requires="p15">
       <p:transition xmlns:p14="http://schemas.microsoft.com/office/powerpoint/2010/main" spd="slow" p14:dur="1250">
         <p15:prstTrans prst="peelOff"/>
       </p:transition>
     </mc:Choice>
-    <mc:Fallback>
+    <mc:Fallback xmlns="">
       <p:transition spd="slow">
         <p:fade/>
       </p:transition>
@@ -16207,13 +16514,13 @@
   <p:clrMapOvr>
     <a:masterClrMapping/>
   </p:clrMapOvr>
-  <mc:AlternateContent xmlns:mc="http://schemas.openxmlformats.org/markup-compatibility/2006">
-    <mc:Choice xmlns:p15="http://schemas.microsoft.com/office/powerpoint/2012/main" Requires="p15">
+  <mc:AlternateContent xmlns:mc="http://schemas.openxmlformats.org/markup-compatibility/2006" xmlns:p15="http://schemas.microsoft.com/office/powerpoint/2012/main">
+    <mc:Choice Requires="p15">
       <p:transition xmlns:p14="http://schemas.microsoft.com/office/powerpoint/2010/main" spd="slow" p14:dur="1250">
         <p15:prstTrans prst="peelOff"/>
       </p:transition>
     </mc:Choice>
-    <mc:Fallback>
+    <mc:Fallback xmlns="">
       <p:transition spd="slow">
         <p:fade/>
       </p:transition>
@@ -16363,13 +16670,13 @@
   <p:clrMapOvr>
     <a:masterClrMapping/>
   </p:clrMapOvr>
-  <mc:AlternateContent xmlns:mc="http://schemas.openxmlformats.org/markup-compatibility/2006">
-    <mc:Choice xmlns:p15="http://schemas.microsoft.com/office/powerpoint/2012/main" Requires="p15">
+  <mc:AlternateContent xmlns:mc="http://schemas.openxmlformats.org/markup-compatibility/2006" xmlns:p15="http://schemas.microsoft.com/office/powerpoint/2012/main">
+    <mc:Choice Requires="p15">
       <p:transition xmlns:p14="http://schemas.microsoft.com/office/powerpoint/2010/main" spd="slow" p14:dur="1250">
         <p15:prstTrans prst="peelOff"/>
       </p:transition>
     </mc:Choice>
-    <mc:Fallback>
+    <mc:Fallback xmlns="">
       <p:transition spd="slow">
         <p:fade/>
       </p:transition>
@@ -16715,13 +17022,13 @@
   <p:clrMapOvr>
     <a:masterClrMapping/>
   </p:clrMapOvr>
-  <mc:AlternateContent xmlns:mc="http://schemas.openxmlformats.org/markup-compatibility/2006">
-    <mc:Choice xmlns:p15="http://schemas.microsoft.com/office/powerpoint/2012/main" Requires="p15">
+  <mc:AlternateContent xmlns:mc="http://schemas.openxmlformats.org/markup-compatibility/2006" xmlns:p15="http://schemas.microsoft.com/office/powerpoint/2012/main">
+    <mc:Choice Requires="p15">
       <p:transition xmlns:p14="http://schemas.microsoft.com/office/powerpoint/2010/main" spd="slow" p14:dur="1250">
         <p15:prstTrans prst="peelOff"/>
       </p:transition>
     </mc:Choice>
-    <mc:Fallback>
+    <mc:Fallback xmlns="">
       <p:transition spd="slow">
         <p:fade/>
       </p:transition>
@@ -16985,13 +17292,13 @@
   <p:clrMapOvr>
     <a:masterClrMapping/>
   </p:clrMapOvr>
-  <mc:AlternateContent xmlns:mc="http://schemas.openxmlformats.org/markup-compatibility/2006">
-    <mc:Choice xmlns:p15="http://schemas.microsoft.com/office/powerpoint/2012/main" Requires="p15">
+  <mc:AlternateContent xmlns:mc="http://schemas.openxmlformats.org/markup-compatibility/2006" xmlns:p15="http://schemas.microsoft.com/office/powerpoint/2012/main">
+    <mc:Choice Requires="p15">
       <p:transition xmlns:p14="http://schemas.microsoft.com/office/powerpoint/2010/main" spd="slow" p14:dur="1250">
         <p15:prstTrans prst="peelOff"/>
       </p:transition>
     </mc:Choice>
-    <mc:Fallback>
+    <mc:Fallback xmlns="">
       <p:transition spd="slow">
         <p:fade/>
       </p:transition>
@@ -18664,13 +18971,13 @@
   <p:clrMapOvr>
     <a:masterClrMapping/>
   </p:clrMapOvr>
-  <mc:AlternateContent xmlns:mc="http://schemas.openxmlformats.org/markup-compatibility/2006">
-    <mc:Choice xmlns:p15="http://schemas.microsoft.com/office/powerpoint/2012/main" Requires="p15">
+  <mc:AlternateContent xmlns:mc="http://schemas.openxmlformats.org/markup-compatibility/2006" xmlns:p15="http://schemas.microsoft.com/office/powerpoint/2012/main">
+    <mc:Choice Requires="p15">
       <p:transition xmlns:p14="http://schemas.microsoft.com/office/powerpoint/2010/main" spd="slow" p14:dur="1250">
         <p15:prstTrans prst="peelOff"/>
       </p:transition>
     </mc:Choice>
-    <mc:Fallback>
+    <mc:Fallback xmlns="">
       <p:transition spd="slow">
         <p:fade/>
       </p:transition>
@@ -21765,13 +22072,13 @@
   <p:clrMapOvr>
     <a:masterClrMapping/>
   </p:clrMapOvr>
-  <mc:AlternateContent xmlns:mc="http://schemas.openxmlformats.org/markup-compatibility/2006">
-    <mc:Choice xmlns:p15="http://schemas.microsoft.com/office/powerpoint/2012/main" Requires="p15">
+  <mc:AlternateContent xmlns:mc="http://schemas.openxmlformats.org/markup-compatibility/2006" xmlns:p15="http://schemas.microsoft.com/office/powerpoint/2012/main">
+    <mc:Choice Requires="p15">
       <p:transition xmlns:p14="http://schemas.microsoft.com/office/powerpoint/2010/main" spd="slow" p14:dur="1250">
         <p15:prstTrans prst="peelOff"/>
       </p:transition>
     </mc:Choice>
-    <mc:Fallback>
+    <mc:Fallback xmlns="">
       <p:transition spd="slow">
         <p:fade/>
       </p:transition>
@@ -22039,13 +22346,13 @@
   <p:clrMapOvr>
     <a:masterClrMapping/>
   </p:clrMapOvr>
-  <mc:AlternateContent xmlns:mc="http://schemas.openxmlformats.org/markup-compatibility/2006">
-    <mc:Choice xmlns:p15="http://schemas.microsoft.com/office/powerpoint/2012/main" Requires="p15">
+  <mc:AlternateContent xmlns:mc="http://schemas.openxmlformats.org/markup-compatibility/2006" xmlns:p15="http://schemas.microsoft.com/office/powerpoint/2012/main">
+    <mc:Choice Requires="p15">
       <p:transition xmlns:p14="http://schemas.microsoft.com/office/powerpoint/2010/main" spd="slow" p14:dur="1250">
         <p15:prstTrans prst="peelOff"/>
       </p:transition>
     </mc:Choice>
-    <mc:Fallback>
+    <mc:Fallback xmlns="">
       <p:transition spd="slow">
         <p:fade/>
       </p:transition>
@@ -22197,13 +22504,13 @@
   <p:clrMapOvr>
     <a:masterClrMapping/>
   </p:clrMapOvr>
-  <mc:AlternateContent xmlns:mc="http://schemas.openxmlformats.org/markup-compatibility/2006">
-    <mc:Choice xmlns:p15="http://schemas.microsoft.com/office/powerpoint/2012/main" Requires="p15">
+  <mc:AlternateContent xmlns:mc="http://schemas.openxmlformats.org/markup-compatibility/2006" xmlns:p15="http://schemas.microsoft.com/office/powerpoint/2012/main">
+    <mc:Choice Requires="p15">
       <p:transition xmlns:p14="http://schemas.microsoft.com/office/powerpoint/2010/main" spd="slow" p14:dur="1250">
         <p15:prstTrans prst="peelOff"/>
       </p:transition>
     </mc:Choice>
-    <mc:Fallback>
+    <mc:Fallback xmlns="">
       <p:transition spd="slow">
         <p:fade/>
       </p:transition>
@@ -22353,13 +22660,13 @@
   <p:clrMapOvr>
     <a:masterClrMapping/>
   </p:clrMapOvr>
-  <mc:AlternateContent xmlns:mc="http://schemas.openxmlformats.org/markup-compatibility/2006">
-    <mc:Choice xmlns:p15="http://schemas.microsoft.com/office/powerpoint/2012/main" Requires="p15">
+  <mc:AlternateContent xmlns:mc="http://schemas.openxmlformats.org/markup-compatibility/2006" xmlns:p15="http://schemas.microsoft.com/office/powerpoint/2012/main">
+    <mc:Choice Requires="p15">
       <p:transition xmlns:p14="http://schemas.microsoft.com/office/powerpoint/2010/main" spd="slow" p14:dur="1250">
         <p15:prstTrans prst="peelOff"/>
       </p:transition>
     </mc:Choice>
-    <mc:Fallback>
+    <mc:Fallback xmlns="">
       <p:transition spd="slow">
         <p:fade/>
       </p:transition>
@@ -22595,13 +22902,13 @@
   <p:clrMapOvr>
     <a:masterClrMapping/>
   </p:clrMapOvr>
-  <mc:AlternateContent xmlns:mc="http://schemas.openxmlformats.org/markup-compatibility/2006">
-    <mc:Choice xmlns:p15="http://schemas.microsoft.com/office/powerpoint/2012/main" Requires="p15">
+  <mc:AlternateContent xmlns:mc="http://schemas.openxmlformats.org/markup-compatibility/2006" xmlns:p15="http://schemas.microsoft.com/office/powerpoint/2012/main">
+    <mc:Choice Requires="p15">
       <p:transition xmlns:p14="http://schemas.microsoft.com/office/powerpoint/2010/main" spd="slow" p14:dur="1250">
         <p15:prstTrans prst="peelOff"/>
       </p:transition>
     </mc:Choice>
-    <mc:Fallback>
+    <mc:Fallback xmlns="">
       <p:transition spd="slow">
         <p:fade/>
       </p:transition>
@@ -22867,13 +23174,13 @@
   <p:clrMapOvr>
     <a:masterClrMapping/>
   </p:clrMapOvr>
-  <mc:AlternateContent xmlns:mc="http://schemas.openxmlformats.org/markup-compatibility/2006">
-    <mc:Choice xmlns:p15="http://schemas.microsoft.com/office/powerpoint/2012/main" Requires="p15">
+  <mc:AlternateContent xmlns:mc="http://schemas.openxmlformats.org/markup-compatibility/2006" xmlns:p15="http://schemas.microsoft.com/office/powerpoint/2012/main">
+    <mc:Choice Requires="p15">
       <p:transition xmlns:p14="http://schemas.microsoft.com/office/powerpoint/2010/main" spd="slow" p14:dur="1250">
         <p15:prstTrans prst="peelOff"/>
       </p:transition>
     </mc:Choice>
-    <mc:Fallback>
+    <mc:Fallback xmlns="">
       <p:transition spd="slow">
         <p:fade/>
       </p:transition>
@@ -22945,13 +23252,13 @@
   <p:clrMapOvr>
     <a:masterClrMapping/>
   </p:clrMapOvr>
-  <mc:AlternateContent xmlns:mc="http://schemas.openxmlformats.org/markup-compatibility/2006">
-    <mc:Choice xmlns:p15="http://schemas.microsoft.com/office/powerpoint/2012/main" Requires="p15">
+  <mc:AlternateContent xmlns:mc="http://schemas.openxmlformats.org/markup-compatibility/2006" xmlns:p15="http://schemas.microsoft.com/office/powerpoint/2012/main">
+    <mc:Choice Requires="p15">
       <p:transition xmlns:p14="http://schemas.microsoft.com/office/powerpoint/2010/main" spd="slow" p14:dur="1250">
         <p15:prstTrans prst="peelOff"/>
       </p:transition>
     </mc:Choice>
-    <mc:Fallback>
+    <mc:Fallback xmlns="">
       <p:transition spd="slow">
         <p:fade/>
       </p:transition>
@@ -23371,13 +23678,13 @@
   <p:clrMapOvr>
     <a:masterClrMapping/>
   </p:clrMapOvr>
-  <mc:AlternateContent xmlns:mc="http://schemas.openxmlformats.org/markup-compatibility/2006">
-    <mc:Choice xmlns:p15="http://schemas.microsoft.com/office/powerpoint/2012/main" Requires="p15">
+  <mc:AlternateContent xmlns:mc="http://schemas.openxmlformats.org/markup-compatibility/2006" xmlns:p15="http://schemas.microsoft.com/office/powerpoint/2012/main">
+    <mc:Choice Requires="p15">
       <p:transition xmlns:p14="http://schemas.microsoft.com/office/powerpoint/2010/main" spd="slow" p14:dur="1250">
         <p15:prstTrans prst="peelOff"/>
       </p:transition>
     </mc:Choice>
-    <mc:Fallback>
+    <mc:Fallback xmlns="">
       <p:transition spd="slow">
         <p:fade/>
       </p:transition>
@@ -23715,13 +24022,13 @@
   <p:clrMapOvr>
     <a:masterClrMapping/>
   </p:clrMapOvr>
-  <mc:AlternateContent xmlns:mc="http://schemas.openxmlformats.org/markup-compatibility/2006">
-    <mc:Choice xmlns:p15="http://schemas.microsoft.com/office/powerpoint/2012/main" Requires="p15">
+  <mc:AlternateContent xmlns:mc="http://schemas.openxmlformats.org/markup-compatibility/2006" xmlns:p15="http://schemas.microsoft.com/office/powerpoint/2012/main">
+    <mc:Choice Requires="p15">
       <p:transition xmlns:p14="http://schemas.microsoft.com/office/powerpoint/2010/main" spd="slow" p14:dur="1250">
         <p15:prstTrans prst="peelOff"/>
       </p:transition>
     </mc:Choice>
-    <mc:Fallback>
+    <mc:Fallback xmlns="">
       <p:transition spd="slow">
         <p:fade/>
       </p:transition>
@@ -24001,13 +24308,13 @@
   <p:clrMapOvr>
     <a:masterClrMapping/>
   </p:clrMapOvr>
-  <mc:AlternateContent xmlns:mc="http://schemas.openxmlformats.org/markup-compatibility/2006">
-    <mc:Choice xmlns:p15="http://schemas.microsoft.com/office/powerpoint/2012/main" Requires="p15">
+  <mc:AlternateContent xmlns:mc="http://schemas.openxmlformats.org/markup-compatibility/2006" xmlns:p15="http://schemas.microsoft.com/office/powerpoint/2012/main">
+    <mc:Choice Requires="p15">
       <p:transition xmlns:p14="http://schemas.microsoft.com/office/powerpoint/2010/main" spd="slow" p14:dur="1250">
         <p15:prstTrans prst="peelOff"/>
       </p:transition>
     </mc:Choice>
-    <mc:Fallback>
+    <mc:Fallback xmlns="">
       <p:transition spd="slow">
         <p:fade/>
       </p:transition>
@@ -24386,13 +24693,13 @@
   <p:clrMapOvr>
     <a:masterClrMapping/>
   </p:clrMapOvr>
-  <mc:AlternateContent xmlns:mc="http://schemas.openxmlformats.org/markup-compatibility/2006">
-    <mc:Choice xmlns:p15="http://schemas.microsoft.com/office/powerpoint/2012/main" Requires="p15">
+  <mc:AlternateContent xmlns:mc="http://schemas.openxmlformats.org/markup-compatibility/2006" xmlns:p15="http://schemas.microsoft.com/office/powerpoint/2012/main">
+    <mc:Choice Requires="p15">
       <p:transition xmlns:p14="http://schemas.microsoft.com/office/powerpoint/2010/main" spd="slow" p14:dur="1250">
         <p15:prstTrans prst="peelOff"/>
       </p:transition>
     </mc:Choice>
-    <mc:Fallback>
+    <mc:Fallback xmlns="">
       <p:transition spd="slow">
         <p:fade/>
       </p:transition>
@@ -24588,13 +24895,13 @@
   <p:clrMapOvr>
     <a:masterClrMapping/>
   </p:clrMapOvr>
-  <mc:AlternateContent xmlns:mc="http://schemas.openxmlformats.org/markup-compatibility/2006">
-    <mc:Choice xmlns:p15="http://schemas.microsoft.com/office/powerpoint/2012/main" Requires="p15">
+  <mc:AlternateContent xmlns:mc="http://schemas.openxmlformats.org/markup-compatibility/2006" xmlns:p15="http://schemas.microsoft.com/office/powerpoint/2012/main">
+    <mc:Choice Requires="p15">
       <p:transition xmlns:p14="http://schemas.microsoft.com/office/powerpoint/2010/main" spd="slow" p14:dur="1250">
         <p15:prstTrans prst="peelOff"/>
       </p:transition>
     </mc:Choice>
-    <mc:Fallback>
+    <mc:Fallback xmlns="">
       <p:transition spd="slow">
         <p:fade/>
       </p:transition>
@@ -24746,13 +25053,13 @@
   <p:clrMapOvr>
     <a:masterClrMapping/>
   </p:clrMapOvr>
-  <mc:AlternateContent xmlns:mc="http://schemas.openxmlformats.org/markup-compatibility/2006">
-    <mc:Choice xmlns:p15="http://schemas.microsoft.com/office/powerpoint/2012/main" Requires="p15">
+  <mc:AlternateContent xmlns:mc="http://schemas.openxmlformats.org/markup-compatibility/2006" xmlns:p15="http://schemas.microsoft.com/office/powerpoint/2012/main">
+    <mc:Choice Requires="p15">
       <p:transition xmlns:p14="http://schemas.microsoft.com/office/powerpoint/2010/main" spd="slow" p14:dur="1250">
         <p15:prstTrans prst="peelOff"/>
       </p:transition>
     </mc:Choice>
-    <mc:Fallback>
+    <mc:Fallback xmlns="">
       <p:transition spd="slow">
         <p:fade/>
       </p:transition>
